--- a/Week 12 - Quotes CRUD App.pptx
+++ b/Week 12 - Quotes CRUD App.pptx
@@ -9,14 +9,14 @@
     <p:sldId id="257" r:id="rId3"/>
     <p:sldId id="259" r:id="rId4"/>
     <p:sldId id="260" r:id="rId5"/>
-    <p:sldId id="266" r:id="rId6"/>
-    <p:sldId id="271" r:id="rId7"/>
-    <p:sldId id="261" r:id="rId8"/>
-    <p:sldId id="262" r:id="rId9"/>
-    <p:sldId id="279" r:id="rId10"/>
-    <p:sldId id="263" r:id="rId11"/>
-    <p:sldId id="267" r:id="rId12"/>
-    <p:sldId id="273" r:id="rId13"/>
+    <p:sldId id="267" r:id="rId6"/>
+    <p:sldId id="273" r:id="rId7"/>
+    <p:sldId id="262" r:id="rId8"/>
+    <p:sldId id="266" r:id="rId9"/>
+    <p:sldId id="271" r:id="rId10"/>
+    <p:sldId id="261" r:id="rId11"/>
+    <p:sldId id="279" r:id="rId12"/>
+    <p:sldId id="263" r:id="rId13"/>
     <p:sldId id="268" r:id="rId14"/>
     <p:sldId id="272" r:id="rId15"/>
     <p:sldId id="269" r:id="rId16"/>
@@ -932,7 +932,7 @@
           <a:p>
             <a:fld id="{7CF0BCE0-945C-4FDF-95A1-2149B1FF5B83}" type="datetimeFigureOut">
               <a:rPr lang="en-US" smtClean="0"/>
-              <a:t>4/20/22</a:t>
+              <a:t>8/2/22</a:t>
             </a:fld>
             <a:endParaRPr lang="en-US"/>
           </a:p>
@@ -1659,7 +1659,7 @@
           <a:p>
             <a:fld id="{7CF0BCE0-945C-4FDF-95A1-2149B1FF5B83}" type="datetimeFigureOut">
               <a:rPr lang="en-US" smtClean="0"/>
-              <a:t>4/20/22</a:t>
+              <a:t>8/2/22</a:t>
             </a:fld>
             <a:endParaRPr lang="en-US"/>
           </a:p>
@@ -2532,7 +2532,7 @@
           <a:p>
             <a:fld id="{7CF0BCE0-945C-4FDF-95A1-2149B1FF5B83}" type="datetimeFigureOut">
               <a:rPr lang="en-US" smtClean="0"/>
-              <a:t>4/20/22</a:t>
+              <a:t>8/2/22</a:t>
             </a:fld>
             <a:endParaRPr lang="en-US"/>
           </a:p>
@@ -3236,7 +3236,7 @@
           <a:p>
             <a:fld id="{7CF0BCE0-945C-4FDF-95A1-2149B1FF5B83}" type="datetimeFigureOut">
               <a:rPr lang="en-US" smtClean="0"/>
-              <a:t>4/20/22</a:t>
+              <a:t>8/2/22</a:t>
             </a:fld>
             <a:endParaRPr lang="en-US"/>
           </a:p>
@@ -3946,7 +3946,7 @@
           <a:p>
             <a:fld id="{7CF0BCE0-945C-4FDF-95A1-2149B1FF5B83}" type="datetimeFigureOut">
               <a:rPr lang="en-US" smtClean="0"/>
-              <a:t>4/20/22</a:t>
+              <a:t>8/2/22</a:t>
             </a:fld>
             <a:endParaRPr lang="en-US" dirty="0"/>
           </a:p>
@@ -4883,7 +4883,7 @@
           <a:p>
             <a:fld id="{7CF0BCE0-945C-4FDF-95A1-2149B1FF5B83}" type="datetimeFigureOut">
               <a:rPr lang="en-US" smtClean="0"/>
-              <a:t>4/20/22</a:t>
+              <a:t>8/2/22</a:t>
             </a:fld>
             <a:endParaRPr lang="en-US"/>
           </a:p>
@@ -6103,7 +6103,7 @@
           <a:p>
             <a:fld id="{7CF0BCE0-945C-4FDF-95A1-2149B1FF5B83}" type="datetimeFigureOut">
               <a:rPr lang="en-US" smtClean="0"/>
-              <a:t>4/20/22</a:t>
+              <a:t>8/2/22</a:t>
             </a:fld>
             <a:endParaRPr lang="en-US"/>
           </a:p>
@@ -6769,7 +6769,7 @@
           <a:p>
             <a:fld id="{7CF0BCE0-945C-4FDF-95A1-2149B1FF5B83}" type="datetimeFigureOut">
               <a:rPr lang="en-US" smtClean="0"/>
-              <a:t>4/20/22</a:t>
+              <a:t>8/2/22</a:t>
             </a:fld>
             <a:endParaRPr lang="en-US"/>
           </a:p>
@@ -7538,7 +7538,7 @@
           <a:p>
             <a:fld id="{7CF0BCE0-945C-4FDF-95A1-2149B1FF5B83}" type="datetimeFigureOut">
               <a:rPr lang="en-US" smtClean="0"/>
-              <a:t>4/20/22</a:t>
+              <a:t>8/2/22</a:t>
             </a:fld>
             <a:endParaRPr lang="en-US"/>
           </a:p>
@@ -8650,7 +8650,7 @@
           <a:p>
             <a:fld id="{7CF0BCE0-945C-4FDF-95A1-2149B1FF5B83}" type="datetimeFigureOut">
               <a:rPr lang="en-US" smtClean="0"/>
-              <a:t>4/20/22</a:t>
+              <a:t>8/2/22</a:t>
             </a:fld>
             <a:endParaRPr lang="en-US"/>
           </a:p>
@@ -9458,7 +9458,7 @@
           <a:p>
             <a:fld id="{7CF0BCE0-945C-4FDF-95A1-2149B1FF5B83}" type="datetimeFigureOut">
               <a:rPr lang="en-US" smtClean="0"/>
-              <a:t>4/20/22</a:t>
+              <a:t>8/2/22</a:t>
             </a:fld>
             <a:endParaRPr lang="en-US"/>
           </a:p>
@@ -9742,7 +9742,7 @@
             <a:fld id="{7CF0BCE0-945C-4FDF-95A1-2149B1FF5B83}" type="datetimeFigureOut">
               <a:rPr lang="en-US" smtClean="0"/>
               <a:pPr algn="r"/>
-              <a:t>4/20/22</a:t>
+              <a:t>8/2/22</a:t>
             </a:fld>
             <a:endParaRPr lang="en-US" dirty="0"/>
           </a:p>
@@ -10168,7 +10168,7 @@
           <a:p>
             <a:r>
               <a:rPr lang="en-US" dirty="0"/>
-              <a:t>Beyond Get to Put, Post and Delete!</a:t>
+              <a:t>Beyond Get and Put, Post and Delete!</a:t>
             </a:r>
           </a:p>
         </p:txBody>
@@ -10208,7 +10208,7 @@
           <p:cNvPr id="2" name="Title 1">
             <a:extLst>
               <a:ext uri="{FF2B5EF4-FFF2-40B4-BE49-F238E27FC236}">
-                <a16:creationId xmlns:a16="http://schemas.microsoft.com/office/drawing/2014/main" id="{B086E23A-6B3A-6E46-B33F-7D980BCABAEA}"/>
+                <a16:creationId xmlns:a16="http://schemas.microsoft.com/office/drawing/2014/main" id="{F05D1A79-385B-1044-8D9E-2F6FE848EC4F}"/>
               </a:ext>
             </a:extLst>
           </p:cNvPr>
@@ -10226,7 +10226,7 @@
           <a:p>
             <a:r>
               <a:rPr lang="en-US" dirty="0"/>
-              <a:t>Wash, Rinse, Repeat</a:t>
+              <a:t>Let’s Create the Delete Method</a:t>
             </a:r>
           </a:p>
         </p:txBody>
@@ -10236,7 +10236,7 @@
           <p:cNvPr id="3" name="Content Placeholder 2">
             <a:extLst>
               <a:ext uri="{FF2B5EF4-FFF2-40B4-BE49-F238E27FC236}">
-                <a16:creationId xmlns:a16="http://schemas.microsoft.com/office/drawing/2014/main" id="{CCF39892-9E26-2B43-8336-2E5AFF01CA9E}"/>
+                <a16:creationId xmlns:a16="http://schemas.microsoft.com/office/drawing/2014/main" id="{13F90F20-C9AF-9E4A-8821-2CC656F1BC7A}"/>
               </a:ext>
             </a:extLst>
           </p:cNvPr>
@@ -10247,39 +10247,108 @@
             <p:ph idx="1"/>
           </p:nvPr>
         </p:nvSpPr>
-        <p:spPr/>
+        <p:spPr>
+          <a:xfrm>
+            <a:off x="4367604" y="2528887"/>
+            <a:ext cx="4849159" cy="3779837"/>
+          </a:xfrm>
+        </p:spPr>
         <p:txBody>
           <a:bodyPr/>
           <a:lstStyle/>
           <a:p>
             <a:r>
               <a:rPr lang="en-US" dirty="0"/>
-              <a:t>Now do the same for POST and PUT</a:t>
+              <a:t>API Gateway</a:t>
             </a:r>
           </a:p>
           <a:p>
             <a:r>
               <a:rPr lang="en-US" dirty="0"/>
-              <a:t>We will create the Lambda functions</a:t>
+              <a:t>Add a new method ‘Delete’</a:t>
             </a:r>
           </a:p>
           <a:p>
             <a:r>
               <a:rPr lang="en-US" dirty="0"/>
-              <a:t>And associate them to new HTTP methods in our </a:t>
-            </a:r>
-            <a:r>
-              <a:rPr lang="en-US" dirty="0" err="1"/>
-              <a:t>APIGateway</a:t>
-            </a:r>
+              <a:t>There will be a check box next to DELETE after you have selected it</a:t>
+            </a:r>
+          </a:p>
+          <a:p>
+            <a:r>
+              <a:rPr lang="en-US" dirty="0"/>
+              <a:t>Click on it</a:t>
+            </a:r>
+          </a:p>
+          <a:p>
             <a:endParaRPr lang="en-US" dirty="0"/>
           </a:p>
         </p:txBody>
       </p:sp>
+      <p:pic>
+        <p:nvPicPr>
+          <p:cNvPr id="4" name="Picture 3">
+            <a:extLst>
+              <a:ext uri="{FF2B5EF4-FFF2-40B4-BE49-F238E27FC236}">
+                <a16:creationId xmlns:a16="http://schemas.microsoft.com/office/drawing/2014/main" id="{4E139AB0-A2F4-6844-A88E-AFD372E29D8C}"/>
+              </a:ext>
+            </a:extLst>
+          </p:cNvPr>
+          <p:cNvPicPr>
+            <a:picLocks noChangeAspect="1"/>
+          </p:cNvPicPr>
+          <p:nvPr/>
+        </p:nvPicPr>
+        <p:blipFill>
+          <a:blip r:embed="rId2"/>
+          <a:stretch>
+            <a:fillRect/>
+          </a:stretch>
+        </p:blipFill>
+        <p:spPr>
+          <a:xfrm>
+            <a:off x="462504" y="2297905"/>
+            <a:ext cx="3822700" cy="2120900"/>
+          </a:xfrm>
+          <a:prstGeom prst="rect">
+            <a:avLst/>
+          </a:prstGeom>
+        </p:spPr>
+      </p:pic>
+      <p:pic>
+        <p:nvPicPr>
+          <p:cNvPr id="5" name="Picture 4">
+            <a:extLst>
+              <a:ext uri="{FF2B5EF4-FFF2-40B4-BE49-F238E27FC236}">
+                <a16:creationId xmlns:a16="http://schemas.microsoft.com/office/drawing/2014/main" id="{D5518C51-473A-8C40-8129-FAE608C76D4C}"/>
+              </a:ext>
+            </a:extLst>
+          </p:cNvPr>
+          <p:cNvPicPr>
+            <a:picLocks noChangeAspect="1"/>
+          </p:cNvPicPr>
+          <p:nvPr/>
+        </p:nvPicPr>
+        <p:blipFill>
+          <a:blip r:embed="rId3"/>
+          <a:stretch>
+            <a:fillRect/>
+          </a:stretch>
+        </p:blipFill>
+        <p:spPr>
+          <a:xfrm>
+            <a:off x="9216763" y="2297905"/>
+            <a:ext cx="1955800" cy="3403600"/>
+          </a:xfrm>
+          <a:prstGeom prst="rect">
+            <a:avLst/>
+          </a:prstGeom>
+        </p:spPr>
+      </p:pic>
     </p:spTree>
     <p:extLst>
       <p:ext uri="{BB962C8B-B14F-4D97-AF65-F5344CB8AC3E}">
-        <p14:creationId xmlns:p14="http://schemas.microsoft.com/office/powerpoint/2010/main" val="2853289985"/>
+        <p14:creationId xmlns:p14="http://schemas.microsoft.com/office/powerpoint/2010/main" val="3247763736"/>
       </p:ext>
     </p:extLst>
   </p:cSld>
@@ -10311,7 +10380,7 @@
           <p:cNvPr id="2" name="Title 1">
             <a:extLst>
               <a:ext uri="{FF2B5EF4-FFF2-40B4-BE49-F238E27FC236}">
-                <a16:creationId xmlns:a16="http://schemas.microsoft.com/office/drawing/2014/main" id="{6B9948EE-E7D9-DD41-9B1A-91B22BE1B0A9}"/>
+                <a16:creationId xmlns:a16="http://schemas.microsoft.com/office/drawing/2014/main" id="{5309AD1B-B926-7E48-9EED-4374276AB056}"/>
               </a:ext>
             </a:extLst>
           </p:cNvPr>
@@ -10328,12 +10397,8 @@
           <a:lstStyle/>
           <a:p>
             <a:r>
-              <a:rPr lang="en-US" dirty="0" err="1"/>
-              <a:t>createQuote</a:t>
-            </a:r>
-            <a:r>
               <a:rPr lang="en-US" dirty="0"/>
-              <a:t> – Lambda function</a:t>
+              <a:t>Enable CORS</a:t>
             </a:r>
           </a:p>
         </p:txBody>
@@ -10343,7 +10408,7 @@
           <p:cNvPr id="3" name="Content Placeholder 2">
             <a:extLst>
               <a:ext uri="{FF2B5EF4-FFF2-40B4-BE49-F238E27FC236}">
-                <a16:creationId xmlns:a16="http://schemas.microsoft.com/office/drawing/2014/main" id="{0C17F6CB-F891-2641-A375-6C6235C1990E}"/>
+                <a16:creationId xmlns:a16="http://schemas.microsoft.com/office/drawing/2014/main" id="{B3674CAF-FAE3-E64C-90CC-2FEA58C1776F}"/>
               </a:ext>
             </a:extLst>
           </p:cNvPr>
@@ -10356,8 +10421,8 @@
         </p:nvSpPr>
         <p:spPr>
           <a:xfrm>
-            <a:off x="8629900" y="2528887"/>
-            <a:ext cx="3011236" cy="3779837"/>
+            <a:off x="5930568" y="1573495"/>
+            <a:ext cx="5620828" cy="2311401"/>
           </a:xfrm>
         </p:spPr>
         <p:txBody>
@@ -10366,44 +10431,58 @@
           <a:p>
             <a:r>
               <a:rPr lang="en-US" dirty="0"/>
-              <a:t>Again compare this to get and delete</a:t>
+              <a:t>Actions – Enable CORS</a:t>
             </a:r>
           </a:p>
           <a:p>
             <a:r>
               <a:rPr lang="en-US" dirty="0"/>
-              <a:t>Especially the delete function</a:t>
+              <a:t>Enable CORS and replace existing CORS headers</a:t>
             </a:r>
           </a:p>
           <a:p>
             <a:r>
               <a:rPr lang="en-US" dirty="0"/>
-              <a:t>Identical except of the </a:t>
-            </a:r>
-            <a:r>
-              <a:rPr lang="en-US" dirty="0" err="1"/>
-              <a:t>documentClient</a:t>
-            </a:r>
-            <a:r>
-              <a:rPr lang="en-US" dirty="0"/>
-              <a:t> function used</a:t>
-            </a:r>
-          </a:p>
-          <a:p>
-            <a:pPr lvl="1"/>
-            <a:r>
-              <a:rPr lang="en-US" dirty="0"/>
-              <a:t>put</a:t>
+              <a:t>Yes, Replace existing values</a:t>
             </a:r>
           </a:p>
         </p:txBody>
       </p:sp>
       <p:pic>
         <p:nvPicPr>
-          <p:cNvPr id="4" name="Picture 3">
-            <a:extLst>
-              <a:ext uri="{FF2B5EF4-FFF2-40B4-BE49-F238E27FC236}">
-                <a16:creationId xmlns:a16="http://schemas.microsoft.com/office/drawing/2014/main" id="{83F82AFE-C6C9-ED45-969E-2137A7CA7275}"/>
+          <p:cNvPr id="6" name="Picture 5">
+            <a:extLst>
+              <a:ext uri="{FF2B5EF4-FFF2-40B4-BE49-F238E27FC236}">
+                <a16:creationId xmlns:a16="http://schemas.microsoft.com/office/drawing/2014/main" id="{982E52E2-3471-E44A-B647-0B05D0BA76C6}"/>
+              </a:ext>
+            </a:extLst>
+          </p:cNvPr>
+          <p:cNvPicPr>
+            <a:picLocks noChangeAspect="1"/>
+          </p:cNvPicPr>
+          <p:nvPr/>
+        </p:nvPicPr>
+        <p:blipFill rotWithShape="1">
+          <a:blip r:embed="rId2"/>
+          <a:srcRect r="47356"/>
+          <a:stretch/>
+        </p:blipFill>
+        <p:spPr>
+          <a:xfrm>
+            <a:off x="6841229" y="4897350"/>
+            <a:ext cx="4044943" cy="1790700"/>
+          </a:xfrm>
+          <a:prstGeom prst="rect">
+            <a:avLst/>
+          </a:prstGeom>
+        </p:spPr>
+      </p:pic>
+      <p:pic>
+        <p:nvPicPr>
+          <p:cNvPr id="7" name="Picture 6">
+            <a:extLst>
+              <a:ext uri="{FF2B5EF4-FFF2-40B4-BE49-F238E27FC236}">
+                <a16:creationId xmlns:a16="http://schemas.microsoft.com/office/drawing/2014/main" id="{6496DF30-F4BB-CA49-8A41-FFF2141F61F2}"/>
               </a:ext>
             </a:extLst>
           </p:cNvPr>
@@ -10413,15 +10492,103 @@
           <p:nvPr/>
         </p:nvPicPr>
         <p:blipFill>
-          <a:blip r:embed="rId2"/>
+          <a:blip r:embed="rId3"/>
           <a:stretch>
             <a:fillRect/>
           </a:stretch>
         </p:blipFill>
         <p:spPr>
           <a:xfrm>
-            <a:off x="540000" y="1990987"/>
-            <a:ext cx="8089900" cy="4356100"/>
+            <a:off x="0" y="1536065"/>
+            <a:ext cx="2197100" cy="1485900"/>
+          </a:xfrm>
+          <a:prstGeom prst="rect">
+            <a:avLst/>
+          </a:prstGeom>
+        </p:spPr>
+      </p:pic>
+      <p:pic>
+        <p:nvPicPr>
+          <p:cNvPr id="8" name="Picture 7">
+            <a:extLst>
+              <a:ext uri="{FF2B5EF4-FFF2-40B4-BE49-F238E27FC236}">
+                <a16:creationId xmlns:a16="http://schemas.microsoft.com/office/drawing/2014/main" id="{1D211BEF-DFC8-764C-A16B-254A89E44110}"/>
+              </a:ext>
+            </a:extLst>
+          </p:cNvPr>
+          <p:cNvPicPr>
+            <a:picLocks noChangeAspect="1"/>
+          </p:cNvPicPr>
+          <p:nvPr/>
+        </p:nvPicPr>
+        <p:blipFill>
+          <a:blip r:embed="rId4"/>
+          <a:stretch>
+            <a:fillRect/>
+          </a:stretch>
+        </p:blipFill>
+        <p:spPr>
+          <a:xfrm>
+            <a:off x="875973" y="3884896"/>
+            <a:ext cx="5715000" cy="2806700"/>
+          </a:xfrm>
+          <a:prstGeom prst="rect">
+            <a:avLst/>
+          </a:prstGeom>
+        </p:spPr>
+      </p:pic>
+      <p:pic>
+        <p:nvPicPr>
+          <p:cNvPr id="5" name="Picture 4">
+            <a:extLst>
+              <a:ext uri="{FF2B5EF4-FFF2-40B4-BE49-F238E27FC236}">
+                <a16:creationId xmlns:a16="http://schemas.microsoft.com/office/drawing/2014/main" id="{D17BB1F4-982A-3B40-94EB-35559F8F9E9A}"/>
+              </a:ext>
+            </a:extLst>
+          </p:cNvPr>
+          <p:cNvPicPr>
+            <a:picLocks noChangeAspect="1"/>
+          </p:cNvPicPr>
+          <p:nvPr/>
+        </p:nvPicPr>
+        <p:blipFill rotWithShape="1">
+          <a:blip r:embed="rId5"/>
+          <a:srcRect r="55034"/>
+          <a:stretch/>
+        </p:blipFill>
+        <p:spPr>
+          <a:xfrm>
+            <a:off x="2387102" y="1560413"/>
+            <a:ext cx="3454954" cy="2311400"/>
+          </a:xfrm>
+          <a:prstGeom prst="rect">
+            <a:avLst/>
+          </a:prstGeom>
+        </p:spPr>
+      </p:pic>
+      <p:pic>
+        <p:nvPicPr>
+          <p:cNvPr id="9" name="Picture 8">
+            <a:extLst>
+              <a:ext uri="{FF2B5EF4-FFF2-40B4-BE49-F238E27FC236}">
+                <a16:creationId xmlns:a16="http://schemas.microsoft.com/office/drawing/2014/main" id="{0D258174-B616-AC42-8122-BB808932929C}"/>
+              </a:ext>
+            </a:extLst>
+          </p:cNvPr>
+          <p:cNvPicPr>
+            <a:picLocks noChangeAspect="1"/>
+          </p:cNvPicPr>
+          <p:nvPr/>
+        </p:nvPicPr>
+        <p:blipFill rotWithShape="1">
+          <a:blip r:embed="rId5"/>
+          <a:srcRect l="68914" t="76828"/>
+          <a:stretch/>
+        </p:blipFill>
+        <p:spPr>
+          <a:xfrm>
+            <a:off x="2964577" y="3323125"/>
+            <a:ext cx="2388516" cy="535604"/>
           </a:xfrm>
           <a:prstGeom prst="rect">
             <a:avLst/>
@@ -10431,7 +10598,7 @@
     </p:spTree>
     <p:extLst>
       <p:ext uri="{BB962C8B-B14F-4D97-AF65-F5344CB8AC3E}">
-        <p14:creationId xmlns:p14="http://schemas.microsoft.com/office/powerpoint/2010/main" val="3057120378"/>
+        <p14:creationId xmlns:p14="http://schemas.microsoft.com/office/powerpoint/2010/main" val="3103160925"/>
       </p:ext>
     </p:extLst>
   </p:cSld>
@@ -10463,7 +10630,7 @@
           <p:cNvPr id="2" name="Title 1">
             <a:extLst>
               <a:ext uri="{FF2B5EF4-FFF2-40B4-BE49-F238E27FC236}">
-                <a16:creationId xmlns:a16="http://schemas.microsoft.com/office/drawing/2014/main" id="{B6F6F7EE-C0ED-4640-9A66-C9A5C1448A07}"/>
+                <a16:creationId xmlns:a16="http://schemas.microsoft.com/office/drawing/2014/main" id="{B086E23A-6B3A-6E46-B33F-7D980BCABAEA}"/>
               </a:ext>
             </a:extLst>
           </p:cNvPr>
@@ -10481,45 +10648,60 @@
           <a:p>
             <a:r>
               <a:rPr lang="en-US" dirty="0"/>
-              <a:t>Client-side JS to create a quote</a:t>
+              <a:t>Wash, Rinse, Repeat</a:t>
             </a:r>
           </a:p>
         </p:txBody>
       </p:sp>
-      <p:pic>
-        <p:nvPicPr>
-          <p:cNvPr id="4" name="Picture 3">
-            <a:extLst>
-              <a:ext uri="{FF2B5EF4-FFF2-40B4-BE49-F238E27FC236}">
-                <a16:creationId xmlns:a16="http://schemas.microsoft.com/office/drawing/2014/main" id="{AEE79717-C243-7B48-82C0-A75EC65E79A5}"/>
-              </a:ext>
-            </a:extLst>
-          </p:cNvPr>
-          <p:cNvPicPr>
-            <a:picLocks noChangeAspect="1"/>
-          </p:cNvPicPr>
-          <p:nvPr/>
-        </p:nvPicPr>
-        <p:blipFill>
-          <a:blip r:embed="rId2"/>
-          <a:stretch>
-            <a:fillRect/>
-          </a:stretch>
-        </p:blipFill>
-        <p:spPr>
-          <a:xfrm>
-            <a:off x="540000" y="3020135"/>
-            <a:ext cx="7658100" cy="2603500"/>
-          </a:xfrm>
-          <a:prstGeom prst="rect">
-            <a:avLst/>
-          </a:prstGeom>
-        </p:spPr>
-      </p:pic>
+      <p:sp>
+        <p:nvSpPr>
+          <p:cNvPr id="3" name="Content Placeholder 2">
+            <a:extLst>
+              <a:ext uri="{FF2B5EF4-FFF2-40B4-BE49-F238E27FC236}">
+                <a16:creationId xmlns:a16="http://schemas.microsoft.com/office/drawing/2014/main" id="{CCF39892-9E26-2B43-8336-2E5AFF01CA9E}"/>
+              </a:ext>
+            </a:extLst>
+          </p:cNvPr>
+          <p:cNvSpPr>
+            <a:spLocks noGrp="1"/>
+          </p:cNvSpPr>
+          <p:nvPr>
+            <p:ph idx="1"/>
+          </p:nvPr>
+        </p:nvSpPr>
+        <p:spPr/>
+        <p:txBody>
+          <a:bodyPr/>
+          <a:lstStyle/>
+          <a:p>
+            <a:r>
+              <a:rPr lang="en-US" dirty="0"/>
+              <a:t>Now do the same for POST and PUT</a:t>
+            </a:r>
+          </a:p>
+          <a:p>
+            <a:r>
+              <a:rPr lang="en-US" dirty="0"/>
+              <a:t>We will create the Lambda functions</a:t>
+            </a:r>
+          </a:p>
+          <a:p>
+            <a:r>
+              <a:rPr lang="en-US" dirty="0"/>
+              <a:t>And associate them to new HTTP methods in our </a:t>
+            </a:r>
+            <a:r>
+              <a:rPr lang="en-US" dirty="0" err="1"/>
+              <a:t>APIGateway</a:t>
+            </a:r>
+            <a:endParaRPr lang="en-US" dirty="0"/>
+          </a:p>
+        </p:txBody>
+      </p:sp>
     </p:spTree>
     <p:extLst>
       <p:ext uri="{BB962C8B-B14F-4D97-AF65-F5344CB8AC3E}">
-        <p14:creationId xmlns:p14="http://schemas.microsoft.com/office/powerpoint/2010/main" val="1373506663"/>
+        <p14:creationId xmlns:p14="http://schemas.microsoft.com/office/powerpoint/2010/main" val="2853289985"/>
       </p:ext>
     </p:extLst>
   </p:cSld>
@@ -10568,12 +10750,8 @@
           <a:lstStyle/>
           <a:p>
             <a:r>
-              <a:rPr lang="en-US" dirty="0" err="1"/>
-              <a:t>updateQuote</a:t>
-            </a:r>
-            <a:r>
               <a:rPr lang="en-US" dirty="0"/>
-              <a:t> – Lambda function</a:t>
+              <a:t>UPDATE – Setup</a:t>
             </a:r>
           </a:p>
         </p:txBody>
@@ -11232,7 +11410,7 @@
           <a:p>
             <a:r>
               <a:rPr lang="en-US" dirty="0"/>
-              <a:t>Each end point will new a corresponding Lambda function</a:t>
+              <a:t>Each end point will be new a corresponding Lambda function</a:t>
             </a:r>
           </a:p>
         </p:txBody>
@@ -11337,7 +11515,7 @@
           <a:p>
             <a:r>
               <a:rPr lang="en-US" dirty="0"/>
-              <a:t>Export the lambda function to read the table</a:t>
+              <a:t>Export the lambda function to make visible to external world</a:t>
             </a:r>
           </a:p>
           <a:p>
@@ -11611,6 +11789,421 @@
           <a:p>
             <a:r>
               <a:rPr lang="en-US" dirty="0"/>
+              <a:t>CREATE - Setup</a:t>
+            </a:r>
+          </a:p>
+        </p:txBody>
+      </p:sp>
+      <p:sp>
+        <p:nvSpPr>
+          <p:cNvPr id="3" name="Content Placeholder 2">
+            <a:extLst>
+              <a:ext uri="{FF2B5EF4-FFF2-40B4-BE49-F238E27FC236}">
+                <a16:creationId xmlns:a16="http://schemas.microsoft.com/office/drawing/2014/main" id="{0C17F6CB-F891-2641-A375-6C6235C1990E}"/>
+              </a:ext>
+            </a:extLst>
+          </p:cNvPr>
+          <p:cNvSpPr>
+            <a:spLocks noGrp="1"/>
+          </p:cNvSpPr>
+          <p:nvPr>
+            <p:ph idx="1"/>
+          </p:nvPr>
+        </p:nvSpPr>
+        <p:spPr>
+          <a:xfrm>
+            <a:off x="8629900" y="2528887"/>
+            <a:ext cx="3011236" cy="3779837"/>
+          </a:xfrm>
+        </p:spPr>
+        <p:txBody>
+          <a:bodyPr/>
+          <a:lstStyle/>
+          <a:p>
+            <a:r>
+              <a:rPr lang="en-US" dirty="0"/>
+              <a:t>Again compare this to get and delete</a:t>
+            </a:r>
+          </a:p>
+          <a:p>
+            <a:r>
+              <a:rPr lang="en-US" dirty="0"/>
+              <a:t>Especially the delete function</a:t>
+            </a:r>
+          </a:p>
+          <a:p>
+            <a:r>
+              <a:rPr lang="en-US" dirty="0"/>
+              <a:t>Identical except of the </a:t>
+            </a:r>
+            <a:r>
+              <a:rPr lang="en-US" dirty="0" err="1"/>
+              <a:t>documentClient</a:t>
+            </a:r>
+            <a:r>
+              <a:rPr lang="en-US" dirty="0"/>
+              <a:t> function used</a:t>
+            </a:r>
+          </a:p>
+          <a:p>
+            <a:pPr lvl="1"/>
+            <a:r>
+              <a:rPr lang="en-US" dirty="0"/>
+              <a:t>put</a:t>
+            </a:r>
+          </a:p>
+        </p:txBody>
+      </p:sp>
+      <p:pic>
+        <p:nvPicPr>
+          <p:cNvPr id="4" name="Picture 3">
+            <a:extLst>
+              <a:ext uri="{FF2B5EF4-FFF2-40B4-BE49-F238E27FC236}">
+                <a16:creationId xmlns:a16="http://schemas.microsoft.com/office/drawing/2014/main" id="{83F82AFE-C6C9-ED45-969E-2137A7CA7275}"/>
+              </a:ext>
+            </a:extLst>
+          </p:cNvPr>
+          <p:cNvPicPr>
+            <a:picLocks noChangeAspect="1"/>
+          </p:cNvPicPr>
+          <p:nvPr/>
+        </p:nvPicPr>
+        <p:blipFill>
+          <a:blip r:embed="rId2"/>
+          <a:stretch>
+            <a:fillRect/>
+          </a:stretch>
+        </p:blipFill>
+        <p:spPr>
+          <a:xfrm>
+            <a:off x="540000" y="1990987"/>
+            <a:ext cx="8089900" cy="4356100"/>
+          </a:xfrm>
+          <a:prstGeom prst="rect">
+            <a:avLst/>
+          </a:prstGeom>
+        </p:spPr>
+      </p:pic>
+    </p:spTree>
+    <p:extLst>
+      <p:ext uri="{BB962C8B-B14F-4D97-AF65-F5344CB8AC3E}">
+        <p14:creationId xmlns:p14="http://schemas.microsoft.com/office/powerpoint/2010/main" val="177520422"/>
+      </p:ext>
+    </p:extLst>
+  </p:cSld>
+  <p:clrMapOvr>
+    <a:masterClrMapping/>
+  </p:clrMapOvr>
+</p:sld>
+</file>
+
+<file path=ppt/slides/slide6.xml><?xml version="1.0" encoding="utf-8"?>
+<p:sld xmlns:a="http://schemas.openxmlformats.org/drawingml/2006/main" xmlns:r="http://schemas.openxmlformats.org/officeDocument/2006/relationships" xmlns:p="http://schemas.openxmlformats.org/presentationml/2006/main">
+  <p:cSld>
+    <p:spTree>
+      <p:nvGrpSpPr>
+        <p:cNvPr id="1" name=""/>
+        <p:cNvGrpSpPr/>
+        <p:nvPr/>
+      </p:nvGrpSpPr>
+      <p:grpSpPr>
+        <a:xfrm>
+          <a:off x="0" y="0"/>
+          <a:ext cx="0" cy="0"/>
+          <a:chOff x="0" y="0"/>
+          <a:chExt cx="0" cy="0"/>
+        </a:xfrm>
+      </p:grpSpPr>
+      <p:sp>
+        <p:nvSpPr>
+          <p:cNvPr id="2" name="Title 1">
+            <a:extLst>
+              <a:ext uri="{FF2B5EF4-FFF2-40B4-BE49-F238E27FC236}">
+                <a16:creationId xmlns:a16="http://schemas.microsoft.com/office/drawing/2014/main" id="{B6F6F7EE-C0ED-4640-9A66-C9A5C1448A07}"/>
+              </a:ext>
+            </a:extLst>
+          </p:cNvPr>
+          <p:cNvSpPr>
+            <a:spLocks noGrp="1"/>
+          </p:cNvSpPr>
+          <p:nvPr>
+            <p:ph type="title"/>
+          </p:nvPr>
+        </p:nvSpPr>
+        <p:spPr/>
+        <p:txBody>
+          <a:bodyPr/>
+          <a:lstStyle/>
+          <a:p>
+            <a:r>
+              <a:rPr lang="en-US" dirty="0"/>
+              <a:t>Client-side JS to create a quote</a:t>
+            </a:r>
+          </a:p>
+        </p:txBody>
+      </p:sp>
+      <p:pic>
+        <p:nvPicPr>
+          <p:cNvPr id="4" name="Picture 3">
+            <a:extLst>
+              <a:ext uri="{FF2B5EF4-FFF2-40B4-BE49-F238E27FC236}">
+                <a16:creationId xmlns:a16="http://schemas.microsoft.com/office/drawing/2014/main" id="{AEE79717-C243-7B48-82C0-A75EC65E79A5}"/>
+              </a:ext>
+            </a:extLst>
+          </p:cNvPr>
+          <p:cNvPicPr>
+            <a:picLocks noChangeAspect="1"/>
+          </p:cNvPicPr>
+          <p:nvPr/>
+        </p:nvPicPr>
+        <p:blipFill>
+          <a:blip r:embed="rId2"/>
+          <a:stretch>
+            <a:fillRect/>
+          </a:stretch>
+        </p:blipFill>
+        <p:spPr>
+          <a:xfrm>
+            <a:off x="540000" y="3020135"/>
+            <a:ext cx="7658100" cy="2603500"/>
+          </a:xfrm>
+          <a:prstGeom prst="rect">
+            <a:avLst/>
+          </a:prstGeom>
+        </p:spPr>
+      </p:pic>
+    </p:spTree>
+    <p:extLst>
+      <p:ext uri="{BB962C8B-B14F-4D97-AF65-F5344CB8AC3E}">
+        <p14:creationId xmlns:p14="http://schemas.microsoft.com/office/powerpoint/2010/main" val="4199837841"/>
+      </p:ext>
+    </p:extLst>
+  </p:cSld>
+  <p:clrMapOvr>
+    <a:masterClrMapping/>
+  </p:clrMapOvr>
+</p:sld>
+</file>
+
+<file path=ppt/slides/slide7.xml><?xml version="1.0" encoding="utf-8"?>
+<p:sld xmlns:a="http://schemas.openxmlformats.org/drawingml/2006/main" xmlns:r="http://schemas.openxmlformats.org/officeDocument/2006/relationships" xmlns:p="http://schemas.openxmlformats.org/presentationml/2006/main">
+  <p:cSld>
+    <p:spTree>
+      <p:nvGrpSpPr>
+        <p:cNvPr id="1" name=""/>
+        <p:cNvGrpSpPr/>
+        <p:nvPr/>
+      </p:nvGrpSpPr>
+      <p:grpSpPr>
+        <a:xfrm>
+          <a:off x="0" y="0"/>
+          <a:ext cx="0" cy="0"/>
+          <a:chOff x="0" y="0"/>
+          <a:chExt cx="0" cy="0"/>
+        </a:xfrm>
+      </p:grpSpPr>
+      <p:sp>
+        <p:nvSpPr>
+          <p:cNvPr id="2" name="Title 1">
+            <a:extLst>
+              <a:ext uri="{FF2B5EF4-FFF2-40B4-BE49-F238E27FC236}">
+                <a16:creationId xmlns:a16="http://schemas.microsoft.com/office/drawing/2014/main" id="{A22BA5B5-42BD-6F49-931F-52943D4AC319}"/>
+              </a:ext>
+            </a:extLst>
+          </p:cNvPr>
+          <p:cNvSpPr>
+            <a:spLocks noGrp="1"/>
+          </p:cNvSpPr>
+          <p:nvPr>
+            <p:ph type="title"/>
+          </p:nvPr>
+        </p:nvSpPr>
+        <p:spPr/>
+        <p:txBody>
+          <a:bodyPr/>
+          <a:lstStyle/>
+          <a:p>
+            <a:r>
+              <a:rPr lang="en-US" dirty="0"/>
+              <a:t>DELETE – Setup</a:t>
+            </a:r>
+          </a:p>
+        </p:txBody>
+      </p:sp>
+      <p:sp>
+        <p:nvSpPr>
+          <p:cNvPr id="3" name="Content Placeholder 2">
+            <a:extLst>
+              <a:ext uri="{FF2B5EF4-FFF2-40B4-BE49-F238E27FC236}">
+                <a16:creationId xmlns:a16="http://schemas.microsoft.com/office/drawing/2014/main" id="{8FC633EA-92E3-004E-9367-4219C5D6E6E2}"/>
+              </a:ext>
+            </a:extLst>
+          </p:cNvPr>
+          <p:cNvSpPr>
+            <a:spLocks noGrp="1"/>
+          </p:cNvSpPr>
+          <p:nvPr>
+            <p:ph idx="1"/>
+          </p:nvPr>
+        </p:nvSpPr>
+        <p:spPr>
+          <a:xfrm>
+            <a:off x="6422314" y="2528887"/>
+            <a:ext cx="5218821" cy="3779837"/>
+          </a:xfrm>
+        </p:spPr>
+        <p:txBody>
+          <a:bodyPr/>
+          <a:lstStyle/>
+          <a:p>
+            <a:r>
+              <a:rPr lang="en-US" dirty="0"/>
+              <a:t>Setup page is shown</a:t>
+            </a:r>
+          </a:p>
+          <a:p>
+            <a:r>
+              <a:rPr lang="en-US" dirty="0"/>
+              <a:t>In the Lambda Function field start typing dele….</a:t>
+            </a:r>
+          </a:p>
+          <a:p>
+            <a:r>
+              <a:rPr lang="en-US" dirty="0"/>
+              <a:t>Matching Lambda functions will be displayed</a:t>
+            </a:r>
+          </a:p>
+          <a:p>
+            <a:r>
+              <a:rPr lang="en-US" dirty="0"/>
+              <a:t>Select </a:t>
+            </a:r>
+            <a:r>
+              <a:rPr lang="en-US" dirty="0" err="1"/>
+              <a:t>deleteQuote</a:t>
+            </a:r>
+            <a:endParaRPr lang="en-US" dirty="0"/>
+          </a:p>
+          <a:p>
+            <a:r>
+              <a:rPr lang="en-US" dirty="0"/>
+              <a:t>Click Save</a:t>
+            </a:r>
+          </a:p>
+        </p:txBody>
+      </p:sp>
+      <p:pic>
+        <p:nvPicPr>
+          <p:cNvPr id="4" name="Picture 3">
+            <a:extLst>
+              <a:ext uri="{FF2B5EF4-FFF2-40B4-BE49-F238E27FC236}">
+                <a16:creationId xmlns:a16="http://schemas.microsoft.com/office/drawing/2014/main" id="{37D3FC40-2069-AB45-B5F5-202A1DC07600}"/>
+              </a:ext>
+            </a:extLst>
+          </p:cNvPr>
+          <p:cNvPicPr>
+            <a:picLocks noChangeAspect="1"/>
+          </p:cNvPicPr>
+          <p:nvPr/>
+        </p:nvPicPr>
+        <p:blipFill rotWithShape="1">
+          <a:blip r:embed="rId2"/>
+          <a:srcRect r="40193"/>
+          <a:stretch/>
+        </p:blipFill>
+        <p:spPr>
+          <a:xfrm>
+            <a:off x="87800" y="2429278"/>
+            <a:ext cx="6002767" cy="3696876"/>
+          </a:xfrm>
+          <a:prstGeom prst="rect">
+            <a:avLst/>
+          </a:prstGeom>
+        </p:spPr>
+      </p:pic>
+      <p:pic>
+        <p:nvPicPr>
+          <p:cNvPr id="5" name="Picture 4">
+            <a:extLst>
+              <a:ext uri="{FF2B5EF4-FFF2-40B4-BE49-F238E27FC236}">
+                <a16:creationId xmlns:a16="http://schemas.microsoft.com/office/drawing/2014/main" id="{C6D180DE-C3FD-7447-A26C-D8B1BCE026CE}"/>
+              </a:ext>
+            </a:extLst>
+          </p:cNvPr>
+          <p:cNvPicPr>
+            <a:picLocks noChangeAspect="1"/>
+          </p:cNvPicPr>
+          <p:nvPr/>
+        </p:nvPicPr>
+        <p:blipFill>
+          <a:blip r:embed="rId3"/>
+          <a:stretch>
+            <a:fillRect/>
+          </a:stretch>
+        </p:blipFill>
+        <p:spPr>
+          <a:xfrm>
+            <a:off x="2210755" y="4839543"/>
+            <a:ext cx="3890680" cy="1641938"/>
+          </a:xfrm>
+          <a:prstGeom prst="rect">
+            <a:avLst/>
+          </a:prstGeom>
+        </p:spPr>
+      </p:pic>
+    </p:spTree>
+    <p:extLst>
+      <p:ext uri="{BB962C8B-B14F-4D97-AF65-F5344CB8AC3E}">
+        <p14:creationId xmlns:p14="http://schemas.microsoft.com/office/powerpoint/2010/main" val="1926782816"/>
+      </p:ext>
+    </p:extLst>
+  </p:cSld>
+  <p:clrMapOvr>
+    <a:masterClrMapping/>
+  </p:clrMapOvr>
+</p:sld>
+</file>
+
+<file path=ppt/slides/slide8.xml><?xml version="1.0" encoding="utf-8"?>
+<p:sld xmlns:a="http://schemas.openxmlformats.org/drawingml/2006/main" xmlns:r="http://schemas.openxmlformats.org/officeDocument/2006/relationships" xmlns:p="http://schemas.openxmlformats.org/presentationml/2006/main">
+  <p:cSld>
+    <p:spTree>
+      <p:nvGrpSpPr>
+        <p:cNvPr id="1" name=""/>
+        <p:cNvGrpSpPr/>
+        <p:nvPr/>
+      </p:nvGrpSpPr>
+      <p:grpSpPr>
+        <a:xfrm>
+          <a:off x="0" y="0"/>
+          <a:ext cx="0" cy="0"/>
+          <a:chOff x="0" y="0"/>
+          <a:chExt cx="0" cy="0"/>
+        </a:xfrm>
+      </p:grpSpPr>
+      <p:sp>
+        <p:nvSpPr>
+          <p:cNvPr id="2" name="Title 1">
+            <a:extLst>
+              <a:ext uri="{FF2B5EF4-FFF2-40B4-BE49-F238E27FC236}">
+                <a16:creationId xmlns:a16="http://schemas.microsoft.com/office/drawing/2014/main" id="{6B9948EE-E7D9-DD41-9B1A-91B22BE1B0A9}"/>
+              </a:ext>
+            </a:extLst>
+          </p:cNvPr>
+          <p:cNvSpPr>
+            <a:spLocks noGrp="1"/>
+          </p:cNvSpPr>
+          <p:nvPr>
+            <p:ph type="title"/>
+          </p:nvPr>
+        </p:nvSpPr>
+        <p:spPr/>
+        <p:txBody>
+          <a:bodyPr/>
+          <a:lstStyle/>
+          <a:p>
+            <a:r>
+              <a:rPr lang="en-US" dirty="0"/>
               <a:t>Create </a:t>
             </a:r>
             <a:r>
@@ -11673,13 +12266,48 @@
             </a:r>
             <a:r>
               <a:rPr lang="en-US" dirty="0"/>
-              <a:t> function you will see that they are nearly identical</a:t>
+              <a:t> function, you will see that they are nearly identical</a:t>
             </a:r>
           </a:p>
           <a:p>
             <a:r>
               <a:rPr lang="en-US" dirty="0"/>
-              <a:t>The params object now includes the id of the record to be deleted</a:t>
+              <a:t>The params object now includes the</a:t>
+            </a:r>
+            <a:r>
+              <a:rPr lang="en-US" dirty="0">
+                <a:solidFill>
+                  <a:schemeClr val="accent2">
+                    <a:lumMod val="75000"/>
+                  </a:schemeClr>
+                </a:solidFill>
+              </a:rPr>
+              <a:t> </a:t>
+            </a:r>
+            <a:r>
+              <a:rPr lang="en-US" dirty="0">
+                <a:solidFill>
+                  <a:schemeClr val="accent6">
+                    <a:lumMod val="60000"/>
+                    <a:lumOff val="40000"/>
+                  </a:schemeClr>
+                </a:solidFill>
+              </a:rPr>
+              <a:t>id</a:t>
+            </a:r>
+            <a:r>
+              <a:rPr lang="en-US" dirty="0">
+                <a:solidFill>
+                  <a:schemeClr val="accent2">
+                    <a:lumMod val="75000"/>
+                  </a:schemeClr>
+                </a:solidFill>
+              </a:rPr>
+              <a:t> </a:t>
+            </a:r>
+            <a:r>
+              <a:rPr lang="en-US" dirty="0"/>
+              <a:t>of the record to be deleted</a:t>
             </a:r>
           </a:p>
           <a:p>
@@ -11730,7 +12358,7 @@
 </p:sld>
 </file>
 
-<file path=ppt/slides/slide6.xml><?xml version="1.0" encoding="utf-8"?>
+<file path=ppt/slides/slide9.xml><?xml version="1.0" encoding="utf-8"?>
 <p:sld xmlns:a="http://schemas.openxmlformats.org/drawingml/2006/main" xmlns:r="http://schemas.openxmlformats.org/officeDocument/2006/relationships" xmlns:p="http://schemas.openxmlformats.org/presentationml/2006/main">
   <p:cSld>
     <p:spTree>
@@ -11811,607 +12439,6 @@
     <p:extLst>
       <p:ext uri="{BB962C8B-B14F-4D97-AF65-F5344CB8AC3E}">
         <p14:creationId xmlns:p14="http://schemas.microsoft.com/office/powerpoint/2010/main" val="1459503414"/>
-      </p:ext>
-    </p:extLst>
-  </p:cSld>
-  <p:clrMapOvr>
-    <a:masterClrMapping/>
-  </p:clrMapOvr>
-</p:sld>
-</file>
-
-<file path=ppt/slides/slide7.xml><?xml version="1.0" encoding="utf-8"?>
-<p:sld xmlns:a="http://schemas.openxmlformats.org/drawingml/2006/main" xmlns:r="http://schemas.openxmlformats.org/officeDocument/2006/relationships" xmlns:p="http://schemas.openxmlformats.org/presentationml/2006/main">
-  <p:cSld>
-    <p:spTree>
-      <p:nvGrpSpPr>
-        <p:cNvPr id="1" name=""/>
-        <p:cNvGrpSpPr/>
-        <p:nvPr/>
-      </p:nvGrpSpPr>
-      <p:grpSpPr>
-        <a:xfrm>
-          <a:off x="0" y="0"/>
-          <a:ext cx="0" cy="0"/>
-          <a:chOff x="0" y="0"/>
-          <a:chExt cx="0" cy="0"/>
-        </a:xfrm>
-      </p:grpSpPr>
-      <p:sp>
-        <p:nvSpPr>
-          <p:cNvPr id="2" name="Title 1">
-            <a:extLst>
-              <a:ext uri="{FF2B5EF4-FFF2-40B4-BE49-F238E27FC236}">
-                <a16:creationId xmlns:a16="http://schemas.microsoft.com/office/drawing/2014/main" id="{F05D1A79-385B-1044-8D9E-2F6FE848EC4F}"/>
-              </a:ext>
-            </a:extLst>
-          </p:cNvPr>
-          <p:cNvSpPr>
-            <a:spLocks noGrp="1"/>
-          </p:cNvSpPr>
-          <p:nvPr>
-            <p:ph type="title"/>
-          </p:nvPr>
-        </p:nvSpPr>
-        <p:spPr/>
-        <p:txBody>
-          <a:bodyPr/>
-          <a:lstStyle/>
-          <a:p>
-            <a:r>
-              <a:rPr lang="en-US" dirty="0"/>
-              <a:t>Let’s Create the Delete Method</a:t>
-            </a:r>
-          </a:p>
-        </p:txBody>
-      </p:sp>
-      <p:sp>
-        <p:nvSpPr>
-          <p:cNvPr id="3" name="Content Placeholder 2">
-            <a:extLst>
-              <a:ext uri="{FF2B5EF4-FFF2-40B4-BE49-F238E27FC236}">
-                <a16:creationId xmlns:a16="http://schemas.microsoft.com/office/drawing/2014/main" id="{13F90F20-C9AF-9E4A-8821-2CC656F1BC7A}"/>
-              </a:ext>
-            </a:extLst>
-          </p:cNvPr>
-          <p:cNvSpPr>
-            <a:spLocks noGrp="1"/>
-          </p:cNvSpPr>
-          <p:nvPr>
-            <p:ph idx="1"/>
-          </p:nvPr>
-        </p:nvSpPr>
-        <p:spPr>
-          <a:xfrm>
-            <a:off x="4367604" y="2528887"/>
-            <a:ext cx="4849159" cy="3779837"/>
-          </a:xfrm>
-        </p:spPr>
-        <p:txBody>
-          <a:bodyPr/>
-          <a:lstStyle/>
-          <a:p>
-            <a:r>
-              <a:rPr lang="en-US" dirty="0"/>
-              <a:t>I deleted the Delete method</a:t>
-            </a:r>
-          </a:p>
-          <a:p>
-            <a:r>
-              <a:rPr lang="en-US" dirty="0"/>
-              <a:t>I will show the steps to create it</a:t>
-            </a:r>
-          </a:p>
-          <a:p>
-            <a:r>
-              <a:rPr lang="en-US" dirty="0"/>
-              <a:t>There will be a check box next to DELETE after you have selected it</a:t>
-            </a:r>
-          </a:p>
-          <a:p>
-            <a:r>
-              <a:rPr lang="en-US" dirty="0"/>
-              <a:t>Click on it</a:t>
-            </a:r>
-          </a:p>
-          <a:p>
-            <a:endParaRPr lang="en-US" dirty="0"/>
-          </a:p>
-        </p:txBody>
-      </p:sp>
-      <p:pic>
-        <p:nvPicPr>
-          <p:cNvPr id="4" name="Picture 3">
-            <a:extLst>
-              <a:ext uri="{FF2B5EF4-FFF2-40B4-BE49-F238E27FC236}">
-                <a16:creationId xmlns:a16="http://schemas.microsoft.com/office/drawing/2014/main" id="{4E139AB0-A2F4-6844-A88E-AFD372E29D8C}"/>
-              </a:ext>
-            </a:extLst>
-          </p:cNvPr>
-          <p:cNvPicPr>
-            <a:picLocks noChangeAspect="1"/>
-          </p:cNvPicPr>
-          <p:nvPr/>
-        </p:nvPicPr>
-        <p:blipFill>
-          <a:blip r:embed="rId2"/>
-          <a:stretch>
-            <a:fillRect/>
-          </a:stretch>
-        </p:blipFill>
-        <p:spPr>
-          <a:xfrm>
-            <a:off x="462504" y="2297905"/>
-            <a:ext cx="3822700" cy="2120900"/>
-          </a:xfrm>
-          <a:prstGeom prst="rect">
-            <a:avLst/>
-          </a:prstGeom>
-        </p:spPr>
-      </p:pic>
-      <p:pic>
-        <p:nvPicPr>
-          <p:cNvPr id="5" name="Picture 4">
-            <a:extLst>
-              <a:ext uri="{FF2B5EF4-FFF2-40B4-BE49-F238E27FC236}">
-                <a16:creationId xmlns:a16="http://schemas.microsoft.com/office/drawing/2014/main" id="{D5518C51-473A-8C40-8129-FAE608C76D4C}"/>
-              </a:ext>
-            </a:extLst>
-          </p:cNvPr>
-          <p:cNvPicPr>
-            <a:picLocks noChangeAspect="1"/>
-          </p:cNvPicPr>
-          <p:nvPr/>
-        </p:nvPicPr>
-        <p:blipFill>
-          <a:blip r:embed="rId3"/>
-          <a:stretch>
-            <a:fillRect/>
-          </a:stretch>
-        </p:blipFill>
-        <p:spPr>
-          <a:xfrm>
-            <a:off x="9216763" y="2297905"/>
-            <a:ext cx="1955800" cy="3403600"/>
-          </a:xfrm>
-          <a:prstGeom prst="rect">
-            <a:avLst/>
-          </a:prstGeom>
-        </p:spPr>
-      </p:pic>
-    </p:spTree>
-    <p:extLst>
-      <p:ext uri="{BB962C8B-B14F-4D97-AF65-F5344CB8AC3E}">
-        <p14:creationId xmlns:p14="http://schemas.microsoft.com/office/powerpoint/2010/main" val="3247763736"/>
-      </p:ext>
-    </p:extLst>
-  </p:cSld>
-  <p:clrMapOvr>
-    <a:masterClrMapping/>
-  </p:clrMapOvr>
-</p:sld>
-</file>
-
-<file path=ppt/slides/slide8.xml><?xml version="1.0" encoding="utf-8"?>
-<p:sld xmlns:a="http://schemas.openxmlformats.org/drawingml/2006/main" xmlns:r="http://schemas.openxmlformats.org/officeDocument/2006/relationships" xmlns:p="http://schemas.openxmlformats.org/presentationml/2006/main">
-  <p:cSld>
-    <p:spTree>
-      <p:nvGrpSpPr>
-        <p:cNvPr id="1" name=""/>
-        <p:cNvGrpSpPr/>
-        <p:nvPr/>
-      </p:nvGrpSpPr>
-      <p:grpSpPr>
-        <a:xfrm>
-          <a:off x="0" y="0"/>
-          <a:ext cx="0" cy="0"/>
-          <a:chOff x="0" y="0"/>
-          <a:chExt cx="0" cy="0"/>
-        </a:xfrm>
-      </p:grpSpPr>
-      <p:sp>
-        <p:nvSpPr>
-          <p:cNvPr id="2" name="Title 1">
-            <a:extLst>
-              <a:ext uri="{FF2B5EF4-FFF2-40B4-BE49-F238E27FC236}">
-                <a16:creationId xmlns:a16="http://schemas.microsoft.com/office/drawing/2014/main" id="{A22BA5B5-42BD-6F49-931F-52943D4AC319}"/>
-              </a:ext>
-            </a:extLst>
-          </p:cNvPr>
-          <p:cNvSpPr>
-            <a:spLocks noGrp="1"/>
-          </p:cNvSpPr>
-          <p:nvPr>
-            <p:ph type="title"/>
-          </p:nvPr>
-        </p:nvSpPr>
-        <p:spPr/>
-        <p:txBody>
-          <a:bodyPr/>
-          <a:lstStyle/>
-          <a:p>
-            <a:r>
-              <a:rPr lang="en-US" dirty="0"/>
-              <a:t>DELETE – Setup</a:t>
-            </a:r>
-          </a:p>
-        </p:txBody>
-      </p:sp>
-      <p:sp>
-        <p:nvSpPr>
-          <p:cNvPr id="3" name="Content Placeholder 2">
-            <a:extLst>
-              <a:ext uri="{FF2B5EF4-FFF2-40B4-BE49-F238E27FC236}">
-                <a16:creationId xmlns:a16="http://schemas.microsoft.com/office/drawing/2014/main" id="{8FC633EA-92E3-004E-9367-4219C5D6E6E2}"/>
-              </a:ext>
-            </a:extLst>
-          </p:cNvPr>
-          <p:cNvSpPr>
-            <a:spLocks noGrp="1"/>
-          </p:cNvSpPr>
-          <p:nvPr>
-            <p:ph idx="1"/>
-          </p:nvPr>
-        </p:nvSpPr>
-        <p:spPr>
-          <a:xfrm>
-            <a:off x="6422314" y="2528887"/>
-            <a:ext cx="5218821" cy="3779837"/>
-          </a:xfrm>
-        </p:spPr>
-        <p:txBody>
-          <a:bodyPr/>
-          <a:lstStyle/>
-          <a:p>
-            <a:r>
-              <a:rPr lang="en-US" dirty="0"/>
-              <a:t>Setup page is shown</a:t>
-            </a:r>
-          </a:p>
-          <a:p>
-            <a:r>
-              <a:rPr lang="en-US" dirty="0"/>
-              <a:t>In the Lambda Function field start typing dele….</a:t>
-            </a:r>
-          </a:p>
-          <a:p>
-            <a:r>
-              <a:rPr lang="en-US" dirty="0"/>
-              <a:t>Matching Lambda functions will be displayed</a:t>
-            </a:r>
-          </a:p>
-          <a:p>
-            <a:r>
-              <a:rPr lang="en-US" dirty="0"/>
-              <a:t>Select </a:t>
-            </a:r>
-            <a:r>
-              <a:rPr lang="en-US" dirty="0" err="1"/>
-              <a:t>deleteQuote</a:t>
-            </a:r>
-            <a:endParaRPr lang="en-US" dirty="0"/>
-          </a:p>
-          <a:p>
-            <a:r>
-              <a:rPr lang="en-US" dirty="0"/>
-              <a:t>Click Save</a:t>
-            </a:r>
-          </a:p>
-        </p:txBody>
-      </p:sp>
-      <p:pic>
-        <p:nvPicPr>
-          <p:cNvPr id="4" name="Picture 3">
-            <a:extLst>
-              <a:ext uri="{FF2B5EF4-FFF2-40B4-BE49-F238E27FC236}">
-                <a16:creationId xmlns:a16="http://schemas.microsoft.com/office/drawing/2014/main" id="{37D3FC40-2069-AB45-B5F5-202A1DC07600}"/>
-              </a:ext>
-            </a:extLst>
-          </p:cNvPr>
-          <p:cNvPicPr>
-            <a:picLocks noChangeAspect="1"/>
-          </p:cNvPicPr>
-          <p:nvPr/>
-        </p:nvPicPr>
-        <p:blipFill rotWithShape="1">
-          <a:blip r:embed="rId2"/>
-          <a:srcRect r="40193"/>
-          <a:stretch/>
-        </p:blipFill>
-        <p:spPr>
-          <a:xfrm>
-            <a:off x="87800" y="2429278"/>
-            <a:ext cx="6002767" cy="3696876"/>
-          </a:xfrm>
-          <a:prstGeom prst="rect">
-            <a:avLst/>
-          </a:prstGeom>
-        </p:spPr>
-      </p:pic>
-      <p:pic>
-        <p:nvPicPr>
-          <p:cNvPr id="5" name="Picture 4">
-            <a:extLst>
-              <a:ext uri="{FF2B5EF4-FFF2-40B4-BE49-F238E27FC236}">
-                <a16:creationId xmlns:a16="http://schemas.microsoft.com/office/drawing/2014/main" id="{C6D180DE-C3FD-7447-A26C-D8B1BCE026CE}"/>
-              </a:ext>
-            </a:extLst>
-          </p:cNvPr>
-          <p:cNvPicPr>
-            <a:picLocks noChangeAspect="1"/>
-          </p:cNvPicPr>
-          <p:nvPr/>
-        </p:nvPicPr>
-        <p:blipFill>
-          <a:blip r:embed="rId3"/>
-          <a:stretch>
-            <a:fillRect/>
-          </a:stretch>
-        </p:blipFill>
-        <p:spPr>
-          <a:xfrm>
-            <a:off x="2210755" y="4839543"/>
-            <a:ext cx="3890680" cy="1641938"/>
-          </a:xfrm>
-          <a:prstGeom prst="rect">
-            <a:avLst/>
-          </a:prstGeom>
-        </p:spPr>
-      </p:pic>
-    </p:spTree>
-    <p:extLst>
-      <p:ext uri="{BB962C8B-B14F-4D97-AF65-F5344CB8AC3E}">
-        <p14:creationId xmlns:p14="http://schemas.microsoft.com/office/powerpoint/2010/main" val="1926782816"/>
-      </p:ext>
-    </p:extLst>
-  </p:cSld>
-  <p:clrMapOvr>
-    <a:masterClrMapping/>
-  </p:clrMapOvr>
-</p:sld>
-</file>
-
-<file path=ppt/slides/slide9.xml><?xml version="1.0" encoding="utf-8"?>
-<p:sld xmlns:a="http://schemas.openxmlformats.org/drawingml/2006/main" xmlns:r="http://schemas.openxmlformats.org/officeDocument/2006/relationships" xmlns:p="http://schemas.openxmlformats.org/presentationml/2006/main">
-  <p:cSld>
-    <p:spTree>
-      <p:nvGrpSpPr>
-        <p:cNvPr id="1" name=""/>
-        <p:cNvGrpSpPr/>
-        <p:nvPr/>
-      </p:nvGrpSpPr>
-      <p:grpSpPr>
-        <a:xfrm>
-          <a:off x="0" y="0"/>
-          <a:ext cx="0" cy="0"/>
-          <a:chOff x="0" y="0"/>
-          <a:chExt cx="0" cy="0"/>
-        </a:xfrm>
-      </p:grpSpPr>
-      <p:sp>
-        <p:nvSpPr>
-          <p:cNvPr id="2" name="Title 1">
-            <a:extLst>
-              <a:ext uri="{FF2B5EF4-FFF2-40B4-BE49-F238E27FC236}">
-                <a16:creationId xmlns:a16="http://schemas.microsoft.com/office/drawing/2014/main" id="{5309AD1B-B926-7E48-9EED-4374276AB056}"/>
-              </a:ext>
-            </a:extLst>
-          </p:cNvPr>
-          <p:cNvSpPr>
-            <a:spLocks noGrp="1"/>
-          </p:cNvSpPr>
-          <p:nvPr>
-            <p:ph type="title"/>
-          </p:nvPr>
-        </p:nvSpPr>
-        <p:spPr/>
-        <p:txBody>
-          <a:bodyPr/>
-          <a:lstStyle/>
-          <a:p>
-            <a:r>
-              <a:rPr lang="en-US" dirty="0"/>
-              <a:t>Enable CORS</a:t>
-            </a:r>
-          </a:p>
-        </p:txBody>
-      </p:sp>
-      <p:sp>
-        <p:nvSpPr>
-          <p:cNvPr id="3" name="Content Placeholder 2">
-            <a:extLst>
-              <a:ext uri="{FF2B5EF4-FFF2-40B4-BE49-F238E27FC236}">
-                <a16:creationId xmlns:a16="http://schemas.microsoft.com/office/drawing/2014/main" id="{B3674CAF-FAE3-E64C-90CC-2FEA58C1776F}"/>
-              </a:ext>
-            </a:extLst>
-          </p:cNvPr>
-          <p:cNvSpPr>
-            <a:spLocks noGrp="1"/>
-          </p:cNvSpPr>
-          <p:nvPr>
-            <p:ph idx="1"/>
-          </p:nvPr>
-        </p:nvSpPr>
-        <p:spPr>
-          <a:xfrm>
-            <a:off x="5930568" y="1573495"/>
-            <a:ext cx="5620828" cy="2311401"/>
-          </a:xfrm>
-        </p:spPr>
-        <p:txBody>
-          <a:bodyPr/>
-          <a:lstStyle/>
-          <a:p>
-            <a:r>
-              <a:rPr lang="en-US" dirty="0"/>
-              <a:t>Actions – Enable CORS</a:t>
-            </a:r>
-          </a:p>
-          <a:p>
-            <a:r>
-              <a:rPr lang="en-US" dirty="0"/>
-              <a:t>Enable CORS and replace existing CORS headers</a:t>
-            </a:r>
-          </a:p>
-          <a:p>
-            <a:r>
-              <a:rPr lang="en-US" dirty="0"/>
-              <a:t>Yes, Replace existing values</a:t>
-            </a:r>
-          </a:p>
-        </p:txBody>
-      </p:sp>
-      <p:pic>
-        <p:nvPicPr>
-          <p:cNvPr id="6" name="Picture 5">
-            <a:extLst>
-              <a:ext uri="{FF2B5EF4-FFF2-40B4-BE49-F238E27FC236}">
-                <a16:creationId xmlns:a16="http://schemas.microsoft.com/office/drawing/2014/main" id="{982E52E2-3471-E44A-B647-0B05D0BA76C6}"/>
-              </a:ext>
-            </a:extLst>
-          </p:cNvPr>
-          <p:cNvPicPr>
-            <a:picLocks noChangeAspect="1"/>
-          </p:cNvPicPr>
-          <p:nvPr/>
-        </p:nvPicPr>
-        <p:blipFill rotWithShape="1">
-          <a:blip r:embed="rId2"/>
-          <a:srcRect r="47356"/>
-          <a:stretch/>
-        </p:blipFill>
-        <p:spPr>
-          <a:xfrm>
-            <a:off x="6841229" y="4897350"/>
-            <a:ext cx="4044943" cy="1790700"/>
-          </a:xfrm>
-          <a:prstGeom prst="rect">
-            <a:avLst/>
-          </a:prstGeom>
-        </p:spPr>
-      </p:pic>
-      <p:pic>
-        <p:nvPicPr>
-          <p:cNvPr id="7" name="Picture 6">
-            <a:extLst>
-              <a:ext uri="{FF2B5EF4-FFF2-40B4-BE49-F238E27FC236}">
-                <a16:creationId xmlns:a16="http://schemas.microsoft.com/office/drawing/2014/main" id="{6496DF30-F4BB-CA49-8A41-FFF2141F61F2}"/>
-              </a:ext>
-            </a:extLst>
-          </p:cNvPr>
-          <p:cNvPicPr>
-            <a:picLocks noChangeAspect="1"/>
-          </p:cNvPicPr>
-          <p:nvPr/>
-        </p:nvPicPr>
-        <p:blipFill>
-          <a:blip r:embed="rId3"/>
-          <a:stretch>
-            <a:fillRect/>
-          </a:stretch>
-        </p:blipFill>
-        <p:spPr>
-          <a:xfrm>
-            <a:off x="0" y="1536065"/>
-            <a:ext cx="2197100" cy="1485900"/>
-          </a:xfrm>
-          <a:prstGeom prst="rect">
-            <a:avLst/>
-          </a:prstGeom>
-        </p:spPr>
-      </p:pic>
-      <p:pic>
-        <p:nvPicPr>
-          <p:cNvPr id="8" name="Picture 7">
-            <a:extLst>
-              <a:ext uri="{FF2B5EF4-FFF2-40B4-BE49-F238E27FC236}">
-                <a16:creationId xmlns:a16="http://schemas.microsoft.com/office/drawing/2014/main" id="{1D211BEF-DFC8-764C-A16B-254A89E44110}"/>
-              </a:ext>
-            </a:extLst>
-          </p:cNvPr>
-          <p:cNvPicPr>
-            <a:picLocks noChangeAspect="1"/>
-          </p:cNvPicPr>
-          <p:nvPr/>
-        </p:nvPicPr>
-        <p:blipFill>
-          <a:blip r:embed="rId4"/>
-          <a:stretch>
-            <a:fillRect/>
-          </a:stretch>
-        </p:blipFill>
-        <p:spPr>
-          <a:xfrm>
-            <a:off x="875973" y="3884896"/>
-            <a:ext cx="5715000" cy="2806700"/>
-          </a:xfrm>
-          <a:prstGeom prst="rect">
-            <a:avLst/>
-          </a:prstGeom>
-        </p:spPr>
-      </p:pic>
-      <p:pic>
-        <p:nvPicPr>
-          <p:cNvPr id="5" name="Picture 4">
-            <a:extLst>
-              <a:ext uri="{FF2B5EF4-FFF2-40B4-BE49-F238E27FC236}">
-                <a16:creationId xmlns:a16="http://schemas.microsoft.com/office/drawing/2014/main" id="{D17BB1F4-982A-3B40-94EB-35559F8F9E9A}"/>
-              </a:ext>
-            </a:extLst>
-          </p:cNvPr>
-          <p:cNvPicPr>
-            <a:picLocks noChangeAspect="1"/>
-          </p:cNvPicPr>
-          <p:nvPr/>
-        </p:nvPicPr>
-        <p:blipFill rotWithShape="1">
-          <a:blip r:embed="rId5"/>
-          <a:srcRect r="55034"/>
-          <a:stretch/>
-        </p:blipFill>
-        <p:spPr>
-          <a:xfrm>
-            <a:off x="2387102" y="1560413"/>
-            <a:ext cx="3454954" cy="2311400"/>
-          </a:xfrm>
-          <a:prstGeom prst="rect">
-            <a:avLst/>
-          </a:prstGeom>
-        </p:spPr>
-      </p:pic>
-      <p:pic>
-        <p:nvPicPr>
-          <p:cNvPr id="9" name="Picture 8">
-            <a:extLst>
-              <a:ext uri="{FF2B5EF4-FFF2-40B4-BE49-F238E27FC236}">
-                <a16:creationId xmlns:a16="http://schemas.microsoft.com/office/drawing/2014/main" id="{0D258174-B616-AC42-8122-BB808932929C}"/>
-              </a:ext>
-            </a:extLst>
-          </p:cNvPr>
-          <p:cNvPicPr>
-            <a:picLocks noChangeAspect="1"/>
-          </p:cNvPicPr>
-          <p:nvPr/>
-        </p:nvPicPr>
-        <p:blipFill rotWithShape="1">
-          <a:blip r:embed="rId5"/>
-          <a:srcRect l="68914" t="76828"/>
-          <a:stretch/>
-        </p:blipFill>
-        <p:spPr>
-          <a:xfrm>
-            <a:off x="2964577" y="3323125"/>
-            <a:ext cx="2388516" cy="535604"/>
-          </a:xfrm>
-          <a:prstGeom prst="rect">
-            <a:avLst/>
-          </a:prstGeom>
-        </p:spPr>
-      </p:pic>
-    </p:spTree>
-    <p:extLst>
-      <p:ext uri="{BB962C8B-B14F-4D97-AF65-F5344CB8AC3E}">
-        <p14:creationId xmlns:p14="http://schemas.microsoft.com/office/powerpoint/2010/main" val="3103160925"/>
       </p:ext>
     </p:extLst>
   </p:cSld>
